--- a/_SLIDES/2020_DEEL1/H3- Tekst in code gebruiken/H3_1_tekst.pptx
+++ b/_SLIDES/2020_DEEL1/H3- Tekst in code gebruiken/H3_1_tekst.pptx
@@ -4026,7 +4026,7 @@
           <a:p>
             <a:fld id="{85EE1F57-E73E-475C-872F-886F27274373}" type="datetimeFigureOut">
               <a:rPr lang="nl-BE" smtClean="0"/>
-              <a:t>14/09/2020</a:t>
+              <a:t>13/10/2020</a:t>
             </a:fld>
             <a:endParaRPr lang="nl-BE"/>
           </a:p>
@@ -4191,7 +4191,7 @@
           <a:p>
             <a:fld id="{E0BBF532-A5DD-4E27-82A5-D972027CDA5D}" type="datetimeFigureOut">
               <a:rPr lang="nl-BE" smtClean="0"/>
-              <a:t>14/09/2020</a:t>
+              <a:t>13/10/2020</a:t>
             </a:fld>
             <a:endParaRPr lang="nl-BE"/>
           </a:p>
@@ -5070,7 +5070,7 @@
           <a:p>
             <a:fld id="{BCCA6142-F57B-48C8-97F4-E016AC358AB9}" type="datetime1">
               <a:rPr lang="nl-BE" smtClean="0"/>
-              <a:t>14/09/2020</a:t>
+              <a:t>13/10/2020</a:t>
             </a:fld>
             <a:endParaRPr lang="nl-BE" dirty="0"/>
           </a:p>
@@ -5366,7 +5366,7 @@
           <a:p>
             <a:fld id="{5FB9A890-CB95-4A02-8EA4-7544B08DB4E2}" type="datetime1">
               <a:rPr lang="nl-BE" smtClean="0"/>
-              <a:t>14/09/2020</a:t>
+              <a:t>13/10/2020</a:t>
             </a:fld>
             <a:endParaRPr lang="nl-BE"/>
           </a:p>
@@ -5579,7 +5579,7 @@
           <a:p>
             <a:fld id="{813D1D9F-4518-4980-9C0D-8EB7894ABDE4}" type="datetime1">
               <a:rPr lang="nl-BE" smtClean="0"/>
-              <a:t>14/09/2020</a:t>
+              <a:t>13/10/2020</a:t>
             </a:fld>
             <a:endParaRPr lang="nl-BE"/>
           </a:p>
@@ -5813,7 +5813,7 @@
           <a:p>
             <a:fld id="{62BF7167-EA82-4644-8F88-C53816572F96}" type="datetime1">
               <a:rPr lang="nl-BE" smtClean="0"/>
-              <a:t>14/09/2020</a:t>
+              <a:t>13/10/2020</a:t>
             </a:fld>
             <a:endParaRPr lang="nl-BE"/>
           </a:p>
@@ -6093,7 +6093,7 @@
           <a:p>
             <a:fld id="{FC393B68-E771-4EAB-BD5A-988B3BCEC1C4}" type="datetime1">
               <a:rPr lang="nl-BE" smtClean="0"/>
-              <a:t>14/09/2020</a:t>
+              <a:t>13/10/2020</a:t>
             </a:fld>
             <a:endParaRPr lang="nl-BE"/>
           </a:p>
@@ -6364,7 +6364,7 @@
           <a:p>
             <a:fld id="{3FA1FA05-B5D2-497F-81AB-0906CD7F230B}" type="datetime1">
               <a:rPr lang="nl-BE" smtClean="0"/>
-              <a:t>14/09/2020</a:t>
+              <a:t>13/10/2020</a:t>
             </a:fld>
             <a:endParaRPr lang="nl-BE"/>
           </a:p>
@@ -6782,7 +6782,7 @@
           <a:p>
             <a:fld id="{05261B88-F79F-4529-821E-344A934E6946}" type="datetime1">
               <a:rPr lang="nl-BE" smtClean="0"/>
-              <a:t>14/09/2020</a:t>
+              <a:t>13/10/2020</a:t>
             </a:fld>
             <a:endParaRPr lang="nl-BE"/>
           </a:p>
@@ -6927,7 +6927,7 @@
           <a:p>
             <a:fld id="{9D36FFD9-A9CE-4423-9581-2A56F0092606}" type="datetime1">
               <a:rPr lang="nl-BE" smtClean="0"/>
-              <a:t>14/09/2020</a:t>
+              <a:t>13/10/2020</a:t>
             </a:fld>
             <a:endParaRPr lang="nl-BE"/>
           </a:p>
@@ -7043,7 +7043,7 @@
           <a:p>
             <a:fld id="{7896331C-B12C-4B5E-A588-AEBE791B8080}" type="datetime1">
               <a:rPr lang="nl-BE" smtClean="0"/>
-              <a:t>14/09/2020</a:t>
+              <a:t>13/10/2020</a:t>
             </a:fld>
             <a:endParaRPr lang="nl-BE"/>
           </a:p>
@@ -7359,7 +7359,7 @@
           <a:p>
             <a:fld id="{CDDA2E80-F5AF-4838-8E2B-93B8353DFA07}" type="datetime1">
               <a:rPr lang="nl-BE" smtClean="0"/>
-              <a:t>14/09/2020</a:t>
+              <a:t>13/10/2020</a:t>
             </a:fld>
             <a:endParaRPr lang="nl-BE"/>
           </a:p>
@@ -7655,7 +7655,7 @@
           <a:p>
             <a:fld id="{2D0660AB-DEF8-4F0D-B084-808191304D25}" type="datetime1">
               <a:rPr lang="nl-BE" smtClean="0"/>
-              <a:t>14/09/2020</a:t>
+              <a:t>13/10/2020</a:t>
             </a:fld>
             <a:endParaRPr lang="nl-BE"/>
           </a:p>
@@ -7901,7 +7901,7 @@
           <a:p>
             <a:fld id="{A671A349-F1E9-4BB9-BDF1-40D376A3D129}" type="datetime1">
               <a:rPr lang="nl-BE" smtClean="0"/>
-              <a:t>14/09/2020</a:t>
+              <a:t>13/10/2020</a:t>
             </a:fld>
             <a:endParaRPr lang="nl-BE"/>
           </a:p>
@@ -12317,7 +12317,7 @@
             <p:ph type="tbl" idx="4294967295"/>
             <p:extLst>
               <p:ext uri="{D42A27DB-BD31-4B8C-83A1-F6EECF244321}">
-                <p14:modId xmlns:p14="http://schemas.microsoft.com/office/powerpoint/2010/main" val="3569078937"/>
+                <p14:modId xmlns:p14="http://schemas.microsoft.com/office/powerpoint/2010/main" val="579479294"/>
               </p:ext>
             </p:extLst>
           </p:nvPr>
@@ -13204,7 +13204,7 @@
                           <a:latin typeface="Consolas" pitchFamily="49" charset="0"/>
                           <a:cs typeface="Consolas" pitchFamily="49" charset="0"/>
                         </a:rPr>
-                        <a:t>number:C</a:t>
+                        <a:t>money:C</a:t>
                       </a:r>
                       <a:r>
                         <a:rPr lang="en-US" sz="1400" u="none" dirty="0">
